--- a/Informatika.pptx
+++ b/Informatika.pptx
@@ -124,6 +124,11 @@
       </a:defRPr>
     </a:lvl9pPr>
   </p:defaultTextStyle>
+  <p:extLst>
+    <p:ext uri="{EFAFB233-063F-42B5-8137-9DF3F51BA10A}">
+      <p15:sldGuideLst xmlns:p15="http://schemas.microsoft.com/office/powerpoint/2012/main"/>
+    </p:ext>
+  </p:extLst>
 </p:presentation>
 </file>
 
@@ -3799,42 +3804,6 @@
           </a:p>
         </p:txBody>
       </p:sp>
-      <p:pic>
-        <p:nvPicPr>
-          <p:cNvPr id="5" name="Picture 4" descr="A pie chart with different colored sections&#10;&#10;Description automatically generated">
-            <a:extLst>
-              <a:ext uri="{FF2B5EF4-FFF2-40B4-BE49-F238E27FC236}">
-                <a16:creationId xmlns:a16="http://schemas.microsoft.com/office/drawing/2014/main" id="{37839C85-E06F-DAB8-6637-F96F3A8C872E}"/>
-              </a:ext>
-            </a:extLst>
-          </p:cNvPr>
-          <p:cNvPicPr>
-            <a:picLocks noChangeAspect="1"/>
-          </p:cNvPicPr>
-          <p:nvPr/>
-        </p:nvPicPr>
-        <p:blipFill>
-          <a:blip r:embed="rId2">
-            <a:extLst>
-              <a:ext uri="{28A0092B-C50C-407E-A947-70E740481C1C}">
-                <a14:useLocalDpi xmlns:a14="http://schemas.microsoft.com/office/drawing/2010/main" val="0"/>
-              </a:ext>
-            </a:extLst>
-          </a:blip>
-          <a:stretch>
-            <a:fillRect/>
-          </a:stretch>
-        </p:blipFill>
-        <p:spPr>
-          <a:xfrm>
-            <a:off x="2478056" y="1283946"/>
-            <a:ext cx="6521785" cy="4464279"/>
-          </a:xfrm>
-          <a:prstGeom prst="rect">
-            <a:avLst/>
-          </a:prstGeom>
-        </p:spPr>
-      </p:pic>
     </p:spTree>
     <p:extLst>
       <p:ext uri="{BB962C8B-B14F-4D97-AF65-F5344CB8AC3E}">
